--- a/Anglais/Special effects in the cinema.pptx
+++ b/Anglais/Special effects in the cinema.pptx
@@ -896,7 +896,7 @@
   <dgm:whole/>
   <dgm:extLst>
     <a:ext uri="http://schemas.microsoft.com/office/drawing/2008/diagram">
-      <dsp:dataModelExt xmlns:dsp="http://schemas.microsoft.com/office/drawing/2008/diagram" relId="rId6" minVer="http://schemas.openxmlformats.org/drawingml/2006/diagram"/>
+      <dsp:dataModelExt xmlns:dsp="http://schemas.microsoft.com/office/drawing/2008/diagram" relId="rId7" minVer="http://schemas.openxmlformats.org/drawingml/2006/diagram"/>
     </a:ext>
   </dgm:extLst>
 </dgm:dataModel>
@@ -2196,7 +2196,7 @@
           <a:p>
             <a:fld id="{48A4E560-C056-4F23-8AF1-9A488988D842}" type="datetimeFigureOut">
               <a:rPr lang="fr-FR" smtClean="0"/>
-              <a:t>09/11/2016</a:t>
+              <a:t>10/11/2016</a:t>
             </a:fld>
             <a:endParaRPr lang="fr-FR"/>
           </a:p>
@@ -2508,6 +2508,671 @@
           <a:lstStyle/>
           <a:p>
             <a:r>
+              <a:rPr lang="fr-FR" dirty="0"/>
+              <a:t>Let me </a:t>
+            </a:r>
+            <a:r>
+              <a:rPr lang="fr-FR" dirty="0" err="1"/>
+              <a:t>define</a:t>
+            </a:r>
+            <a:r>
+              <a:rPr lang="fr-FR" dirty="0"/>
+              <a:t> </a:t>
+            </a:r>
+            <a:r>
+              <a:rPr lang="fr-FR" dirty="0" err="1"/>
+              <a:t>you</a:t>
+            </a:r>
+            <a:r>
+              <a:rPr lang="fr-FR" dirty="0"/>
+              <a:t> all</a:t>
+            </a:r>
+            <a:r>
+              <a:rPr lang="fr-FR" baseline="0" dirty="0"/>
+              <a:t> </a:t>
+            </a:r>
+            <a:r>
+              <a:rPr lang="fr-FR" baseline="0" dirty="0" err="1"/>
+              <a:t>differents</a:t>
+            </a:r>
+            <a:r>
+              <a:rPr lang="fr-FR" baseline="0" dirty="0"/>
+              <a:t> </a:t>
+            </a:r>
+            <a:r>
+              <a:rPr lang="fr-FR" baseline="0" dirty="0" err="1"/>
+              <a:t>kind</a:t>
+            </a:r>
+            <a:r>
+              <a:rPr lang="fr-FR" baseline="0" dirty="0"/>
+              <a:t> of « </a:t>
+            </a:r>
+            <a:r>
+              <a:rPr lang="fr-FR" baseline="0" dirty="0" err="1"/>
+              <a:t>speccial</a:t>
+            </a:r>
+            <a:r>
+              <a:rPr lang="fr-FR" baseline="0" dirty="0"/>
+              <a:t> </a:t>
+            </a:r>
+            <a:r>
+              <a:rPr lang="fr-FR" baseline="0" dirty="0" err="1"/>
+              <a:t>effects</a:t>
+            </a:r>
+            <a:r>
+              <a:rPr lang="fr-FR" baseline="0" dirty="0"/>
+              <a:t> »</a:t>
+            </a:r>
+          </a:p>
+          <a:p>
+            <a:endParaRPr lang="fr-FR" baseline="0" dirty="0"/>
+          </a:p>
+          <a:p>
+            <a:r>
+              <a:rPr lang="fr-FR" baseline="0" dirty="0" err="1"/>
+              <a:t>Chemial</a:t>
+            </a:r>
+            <a:r>
+              <a:rPr lang="fr-FR" baseline="0" dirty="0"/>
+              <a:t> </a:t>
+            </a:r>
+            <a:r>
+              <a:rPr lang="fr-FR" baseline="0" dirty="0" err="1"/>
+              <a:t>is</a:t>
+            </a:r>
+            <a:r>
+              <a:rPr lang="fr-FR" baseline="0" dirty="0"/>
+              <a:t> </a:t>
+            </a:r>
+            <a:r>
+              <a:rPr lang="fr-FR" baseline="0" dirty="0" err="1"/>
+              <a:t>much</a:t>
+            </a:r>
+            <a:r>
+              <a:rPr lang="fr-FR" baseline="0" dirty="0"/>
+              <a:t> more a </a:t>
+            </a:r>
+            <a:endParaRPr lang="fr-FR" dirty="0"/>
+          </a:p>
+        </p:txBody>
+      </p:sp>
+      <p:sp>
+        <p:nvSpPr>
+          <p:cNvPr id="4" name="Espace réservé du numéro de diapositive 3"/>
+          <p:cNvSpPr>
+            <a:spLocks noGrp="1"/>
+          </p:cNvSpPr>
+          <p:nvPr>
+            <p:ph type="sldNum" sz="quarter" idx="10"/>
+          </p:nvPr>
+        </p:nvSpPr>
+        <p:spPr/>
+        <p:txBody>
+          <a:bodyPr/>
+          <a:lstStyle/>
+          <a:p>
+            <a:fld id="{855FE536-0EA8-4ACE-9F92-F5B61AE46463}" type="slidenum">
+              <a:rPr lang="fr-FR" smtClean="0"/>
+              <a:t>2</a:t>
+            </a:fld>
+            <a:endParaRPr lang="fr-FR"/>
+          </a:p>
+        </p:txBody>
+      </p:sp>
+    </p:spTree>
+    <p:extLst>
+      <p:ext uri="{BB962C8B-B14F-4D97-AF65-F5344CB8AC3E}">
+        <p14:creationId xmlns:p14="http://schemas.microsoft.com/office/powerpoint/2010/main" val="432748112"/>
+      </p:ext>
+    </p:extLst>
+  </p:cSld>
+  <p:clrMapOvr>
+    <a:masterClrMapping/>
+  </p:clrMapOvr>
+</p:notes>
+</file>
+
+<file path=ppt/notesSlides/notesSlide2.xml><?xml version="1.0" encoding="utf-8"?>
+<p:notes xmlns:a="http://schemas.openxmlformats.org/drawingml/2006/main" xmlns:r="http://schemas.openxmlformats.org/officeDocument/2006/relationships" xmlns:p="http://schemas.openxmlformats.org/presentationml/2006/main">
+  <p:cSld>
+    <p:spTree>
+      <p:nvGrpSpPr>
+        <p:cNvPr id="1" name=""/>
+        <p:cNvGrpSpPr/>
+        <p:nvPr/>
+      </p:nvGrpSpPr>
+      <p:grpSpPr>
+        <a:xfrm>
+          <a:off x="0" y="0"/>
+          <a:ext cx="0" cy="0"/>
+          <a:chOff x="0" y="0"/>
+          <a:chExt cx="0" cy="0"/>
+        </a:xfrm>
+      </p:grpSpPr>
+      <p:sp>
+        <p:nvSpPr>
+          <p:cNvPr id="2" name="Espace réservé de l'image des diapositives 1"/>
+          <p:cNvSpPr>
+            <a:spLocks noGrp="1" noRot="1" noChangeAspect="1"/>
+          </p:cNvSpPr>
+          <p:nvPr>
+            <p:ph type="sldImg"/>
+          </p:nvPr>
+        </p:nvSpPr>
+        <p:spPr/>
+      </p:sp>
+      <p:sp>
+        <p:nvSpPr>
+          <p:cNvPr id="3" name="Espace réservé des notes 2"/>
+          <p:cNvSpPr>
+            <a:spLocks noGrp="1"/>
+          </p:cNvSpPr>
+          <p:nvPr>
+            <p:ph type="body" idx="1"/>
+          </p:nvPr>
+        </p:nvSpPr>
+        <p:spPr/>
+        <p:txBody>
+          <a:bodyPr/>
+          <a:lstStyle/>
+          <a:p>
+            <a:endParaRPr lang="fr-FR" dirty="0"/>
+          </a:p>
+        </p:txBody>
+      </p:sp>
+      <p:sp>
+        <p:nvSpPr>
+          <p:cNvPr id="4" name="Espace réservé du numéro de diapositive 3"/>
+          <p:cNvSpPr>
+            <a:spLocks noGrp="1"/>
+          </p:cNvSpPr>
+          <p:nvPr>
+            <p:ph type="sldNum" sz="quarter" idx="10"/>
+          </p:nvPr>
+        </p:nvSpPr>
+        <p:spPr/>
+        <p:txBody>
+          <a:bodyPr/>
+          <a:lstStyle/>
+          <a:p>
+            <a:fld id="{855FE536-0EA8-4ACE-9F92-F5B61AE46463}" type="slidenum">
+              <a:rPr lang="fr-FR" smtClean="0"/>
+              <a:t>3</a:t>
+            </a:fld>
+            <a:endParaRPr lang="fr-FR"/>
+          </a:p>
+        </p:txBody>
+      </p:sp>
+    </p:spTree>
+    <p:extLst>
+      <p:ext uri="{BB962C8B-B14F-4D97-AF65-F5344CB8AC3E}">
+        <p14:creationId xmlns:p14="http://schemas.microsoft.com/office/powerpoint/2010/main" val="349164741"/>
+      </p:ext>
+    </p:extLst>
+  </p:cSld>
+  <p:clrMapOvr>
+    <a:masterClrMapping/>
+  </p:clrMapOvr>
+</p:notes>
+</file>
+
+<file path=ppt/notesSlides/notesSlide3.xml><?xml version="1.0" encoding="utf-8"?>
+<p:notes xmlns:a="http://schemas.openxmlformats.org/drawingml/2006/main" xmlns:r="http://schemas.openxmlformats.org/officeDocument/2006/relationships" xmlns:p="http://schemas.openxmlformats.org/presentationml/2006/main">
+  <p:cSld>
+    <p:spTree>
+      <p:nvGrpSpPr>
+        <p:cNvPr id="1" name=""/>
+        <p:cNvGrpSpPr/>
+        <p:nvPr/>
+      </p:nvGrpSpPr>
+      <p:grpSpPr>
+        <a:xfrm>
+          <a:off x="0" y="0"/>
+          <a:ext cx="0" cy="0"/>
+          <a:chOff x="0" y="0"/>
+          <a:chExt cx="0" cy="0"/>
+        </a:xfrm>
+      </p:grpSpPr>
+      <p:sp>
+        <p:nvSpPr>
+          <p:cNvPr id="2" name="Espace réservé de l'image des diapositives 1"/>
+          <p:cNvSpPr>
+            <a:spLocks noGrp="1" noRot="1" noChangeAspect="1"/>
+          </p:cNvSpPr>
+          <p:nvPr>
+            <p:ph type="sldImg"/>
+          </p:nvPr>
+        </p:nvSpPr>
+        <p:spPr/>
+      </p:sp>
+      <p:sp>
+        <p:nvSpPr>
+          <p:cNvPr id="3" name="Espace réservé des notes 2"/>
+          <p:cNvSpPr>
+            <a:spLocks noGrp="1"/>
+          </p:cNvSpPr>
+          <p:nvPr>
+            <p:ph type="body" idx="1"/>
+          </p:nvPr>
+        </p:nvSpPr>
+        <p:spPr/>
+        <p:txBody>
+          <a:bodyPr/>
+          <a:lstStyle/>
+          <a:p>
+            <a:r>
+              <a:rPr lang="en-US" b="1" dirty="0"/>
+              <a:t>Animatronics</a:t>
+            </a:r>
+            <a:r>
+              <a:rPr lang="en-US" dirty="0"/>
+              <a:t> refers to the use of </a:t>
+            </a:r>
+            <a:r>
+              <a:rPr lang="en-US" dirty="0">
+                <a:hlinkClick r:id="rId3" tooltip="Robotic"/>
+              </a:rPr>
+              <a:t>robotic</a:t>
+            </a:r>
+            <a:r>
+              <a:rPr lang="en-US" dirty="0"/>
+              <a:t> devices to emulate a human or an animal, or bring lifelike characteristics to an otherwise inanimate object.</a:t>
+            </a:r>
+            <a:r>
+              <a:rPr lang="en-US" baseline="30000" dirty="0">
+                <a:hlinkClick r:id="rId4"/>
+              </a:rPr>
+              <a:t>[1]</a:t>
+            </a:r>
+            <a:r>
+              <a:rPr lang="en-US" baseline="30000" dirty="0">
+                <a:hlinkClick r:id="rId5"/>
+              </a:rPr>
+              <a:t>[2]</a:t>
+            </a:r>
+            <a:r>
+              <a:rPr lang="en-US" dirty="0"/>
+              <a:t> A robot designed to be a convincing imitation of a human is more specifically labeled as an </a:t>
+            </a:r>
+            <a:r>
+              <a:rPr lang="en-US" dirty="0">
+                <a:hlinkClick r:id="rId6" tooltip="Android (robot)"/>
+              </a:rPr>
+              <a:t>android</a:t>
+            </a:r>
+            <a:r>
+              <a:rPr lang="en-US" dirty="0"/>
+              <a:t>.</a:t>
+            </a:r>
+            <a:r>
+              <a:rPr lang="en-US" baseline="30000" dirty="0">
+                <a:hlinkClick r:id="rId7"/>
+              </a:rPr>
+              <a:t>[3]</a:t>
+            </a:r>
+            <a:r>
+              <a:rPr lang="en-US" baseline="30000" dirty="0">
+                <a:hlinkClick r:id="rId8"/>
+              </a:rPr>
+              <a:t>[4]</a:t>
+            </a:r>
+            <a:r>
+              <a:rPr lang="en-US" baseline="30000" dirty="0">
+                <a:hlinkClick r:id="rId9"/>
+              </a:rPr>
+              <a:t>[5]</a:t>
+            </a:r>
+            <a:r>
+              <a:rPr lang="en-US" dirty="0"/>
+              <a:t> Modern animatronics have found widespread applications in </a:t>
+            </a:r>
+            <a:r>
+              <a:rPr lang="en-US" dirty="0">
+                <a:hlinkClick r:id="rId10" tooltip="Special effect"/>
+              </a:rPr>
+              <a:t>movie special effects</a:t>
+            </a:r>
+            <a:r>
+              <a:rPr lang="en-US" dirty="0"/>
+              <a:t> and </a:t>
+            </a:r>
+            <a:r>
+              <a:rPr lang="en-US" dirty="0">
+                <a:hlinkClick r:id="rId11" tooltip="Theme parks"/>
+              </a:rPr>
+              <a:t>theme parks</a:t>
+            </a:r>
+            <a:r>
+              <a:rPr lang="en-US" dirty="0"/>
+              <a:t> and have, since their inception, been primarily used as a spectacle of </a:t>
+            </a:r>
+            <a:r>
+              <a:rPr lang="en-US" dirty="0" err="1"/>
+              <a:t>amuseme</a:t>
+            </a:r>
+            <a:endParaRPr lang="fr-FR" dirty="0"/>
+          </a:p>
+        </p:txBody>
+      </p:sp>
+      <p:sp>
+        <p:nvSpPr>
+          <p:cNvPr id="4" name="Espace réservé du numéro de diapositive 3"/>
+          <p:cNvSpPr>
+            <a:spLocks noGrp="1"/>
+          </p:cNvSpPr>
+          <p:nvPr>
+            <p:ph type="sldNum" sz="quarter" idx="10"/>
+          </p:nvPr>
+        </p:nvSpPr>
+        <p:spPr/>
+        <p:txBody>
+          <a:bodyPr/>
+          <a:lstStyle/>
+          <a:p>
+            <a:fld id="{855FE536-0EA8-4ACE-9F92-F5B61AE46463}" type="slidenum">
+              <a:rPr lang="fr-FR" smtClean="0"/>
+              <a:t>4</a:t>
+            </a:fld>
+            <a:endParaRPr lang="fr-FR"/>
+          </a:p>
+        </p:txBody>
+      </p:sp>
+    </p:spTree>
+    <p:extLst>
+      <p:ext uri="{BB962C8B-B14F-4D97-AF65-F5344CB8AC3E}">
+        <p14:creationId xmlns:p14="http://schemas.microsoft.com/office/powerpoint/2010/main" val="2645383821"/>
+      </p:ext>
+    </p:extLst>
+  </p:cSld>
+  <p:clrMapOvr>
+    <a:masterClrMapping/>
+  </p:clrMapOvr>
+</p:notes>
+</file>
+
+<file path=ppt/notesSlides/notesSlide4.xml><?xml version="1.0" encoding="utf-8"?>
+<p:notes xmlns:a="http://schemas.openxmlformats.org/drawingml/2006/main" xmlns:r="http://schemas.openxmlformats.org/officeDocument/2006/relationships" xmlns:p="http://schemas.openxmlformats.org/presentationml/2006/main">
+  <p:cSld>
+    <p:spTree>
+      <p:nvGrpSpPr>
+        <p:cNvPr id="1" name=""/>
+        <p:cNvGrpSpPr/>
+        <p:nvPr/>
+      </p:nvGrpSpPr>
+      <p:grpSpPr>
+        <a:xfrm>
+          <a:off x="0" y="0"/>
+          <a:ext cx="0" cy="0"/>
+          <a:chOff x="0" y="0"/>
+          <a:chExt cx="0" cy="0"/>
+        </a:xfrm>
+      </p:grpSpPr>
+      <p:sp>
+        <p:nvSpPr>
+          <p:cNvPr id="2" name="Espace réservé de l'image des diapositives 1"/>
+          <p:cNvSpPr>
+            <a:spLocks noGrp="1" noRot="1" noChangeAspect="1"/>
+          </p:cNvSpPr>
+          <p:nvPr>
+            <p:ph type="sldImg"/>
+          </p:nvPr>
+        </p:nvSpPr>
+        <p:spPr/>
+      </p:sp>
+      <p:sp>
+        <p:nvSpPr>
+          <p:cNvPr id="3" name="Espace réservé des notes 2"/>
+          <p:cNvSpPr>
+            <a:spLocks noGrp="1"/>
+          </p:cNvSpPr>
+          <p:nvPr>
+            <p:ph type="body" idx="1"/>
+          </p:nvPr>
+        </p:nvSpPr>
+        <p:spPr/>
+        <p:txBody>
+          <a:bodyPr/>
+          <a:lstStyle/>
+          <a:p>
+            <a:r>
+              <a:rPr lang="fr-FR" dirty="0"/>
+              <a:t>But how</a:t>
+            </a:r>
+            <a:r>
+              <a:rPr lang="fr-FR" baseline="0" dirty="0"/>
+              <a:t> </a:t>
+            </a:r>
+            <a:r>
+              <a:rPr lang="fr-FR" baseline="0" dirty="0" err="1"/>
+              <a:t>will</a:t>
+            </a:r>
+            <a:r>
+              <a:rPr lang="fr-FR" baseline="0" dirty="0"/>
+              <a:t> </a:t>
+            </a:r>
+            <a:r>
+              <a:rPr lang="fr-FR" baseline="0" dirty="0" err="1"/>
+              <a:t>those</a:t>
+            </a:r>
+            <a:r>
+              <a:rPr lang="fr-FR" baseline="0" dirty="0"/>
+              <a:t> </a:t>
+            </a:r>
+            <a:r>
+              <a:rPr lang="fr-FR" baseline="0" dirty="0" err="1"/>
+              <a:t>special</a:t>
+            </a:r>
+            <a:r>
+              <a:rPr lang="fr-FR" baseline="0" dirty="0"/>
+              <a:t> </a:t>
+            </a:r>
+            <a:r>
+              <a:rPr lang="fr-FR" baseline="0" dirty="0" err="1"/>
+              <a:t>effects</a:t>
+            </a:r>
+            <a:r>
+              <a:rPr lang="fr-FR" baseline="0" dirty="0"/>
+              <a:t> </a:t>
+            </a:r>
+            <a:r>
+              <a:rPr lang="fr-FR" baseline="0" dirty="0" err="1"/>
+              <a:t>gets</a:t>
+            </a:r>
+            <a:r>
+              <a:rPr lang="fr-FR" baseline="0" dirty="0"/>
+              <a:t> </a:t>
+            </a:r>
+            <a:r>
+              <a:rPr lang="fr-FR" baseline="0" dirty="0" err="1"/>
+              <a:t>any</a:t>
+            </a:r>
+            <a:r>
+              <a:rPr lang="fr-FR" baseline="0" dirty="0"/>
+              <a:t> </a:t>
+            </a:r>
+            <a:r>
+              <a:rPr lang="fr-FR" baseline="0" dirty="0" err="1"/>
+              <a:t>improvement</a:t>
+            </a:r>
+            <a:r>
+              <a:rPr lang="fr-FR" baseline="0" dirty="0"/>
+              <a:t>, </a:t>
+            </a:r>
+            <a:r>
+              <a:rPr lang="fr-FR" baseline="0" dirty="0" err="1"/>
+              <a:t>what</a:t>
+            </a:r>
+            <a:r>
+              <a:rPr lang="fr-FR" baseline="0" dirty="0"/>
+              <a:t> </a:t>
+            </a:r>
+            <a:r>
+              <a:rPr lang="fr-FR" baseline="0" dirty="0" err="1"/>
+              <a:t>is</a:t>
+            </a:r>
+            <a:r>
+              <a:rPr lang="fr-FR" baseline="0" dirty="0"/>
+              <a:t> the future of the </a:t>
+            </a:r>
+            <a:r>
+              <a:rPr lang="fr-FR" baseline="0" dirty="0" err="1"/>
+              <a:t>cinema</a:t>
+            </a:r>
+            <a:r>
+              <a:rPr lang="fr-FR" baseline="0" dirty="0"/>
+              <a:t> </a:t>
+            </a:r>
+            <a:r>
+              <a:rPr lang="fr-FR" baseline="0" dirty="0" err="1"/>
+              <a:t>using</a:t>
+            </a:r>
+            <a:r>
+              <a:rPr lang="fr-FR" baseline="0" dirty="0"/>
+              <a:t> the </a:t>
+            </a:r>
+            <a:r>
+              <a:rPr lang="fr-FR" baseline="0" dirty="0" err="1"/>
+              <a:t>next</a:t>
+            </a:r>
+            <a:r>
+              <a:rPr lang="fr-FR" baseline="0" dirty="0"/>
+              <a:t> gens </a:t>
+            </a:r>
+            <a:r>
+              <a:rPr lang="fr-FR" baseline="0" dirty="0" err="1"/>
+              <a:t>speccical</a:t>
+            </a:r>
+            <a:r>
+              <a:rPr lang="fr-FR" baseline="0" dirty="0"/>
+              <a:t> </a:t>
+            </a:r>
+            <a:r>
+              <a:rPr lang="fr-FR" baseline="0" dirty="0" err="1"/>
+              <a:t>effects</a:t>
+            </a:r>
+            <a:endParaRPr lang="fr-FR" baseline="0" dirty="0"/>
+          </a:p>
+          <a:p>
+            <a:endParaRPr lang="fr-FR" baseline="0" dirty="0"/>
+          </a:p>
+          <a:p>
+            <a:r>
+              <a:rPr lang="fr-FR" baseline="0" dirty="0"/>
+              <a:t>Let show </a:t>
+            </a:r>
+            <a:r>
+              <a:rPr lang="fr-FR" baseline="0" dirty="0" err="1"/>
+              <a:t>you</a:t>
+            </a:r>
+            <a:r>
+              <a:rPr lang="fr-FR" baseline="0" dirty="0"/>
+              <a:t> few exemples </a:t>
+            </a:r>
+            <a:r>
+              <a:rPr lang="fr-FR" baseline="0" dirty="0" err="1"/>
+              <a:t>what</a:t>
+            </a:r>
+            <a:r>
+              <a:rPr lang="fr-FR" baseline="0" dirty="0"/>
+              <a:t> </a:t>
+            </a:r>
+            <a:r>
+              <a:rPr lang="fr-FR" baseline="0" dirty="0" err="1"/>
+              <a:t>is</a:t>
+            </a:r>
+            <a:r>
+              <a:rPr lang="fr-FR" baseline="0" dirty="0"/>
+              <a:t> the future of the </a:t>
+            </a:r>
+            <a:r>
+              <a:rPr lang="fr-FR" baseline="0" dirty="0" err="1"/>
+              <a:t>cinema</a:t>
+            </a:r>
+            <a:endParaRPr lang="fr-FR" dirty="0"/>
+          </a:p>
+        </p:txBody>
+      </p:sp>
+      <p:sp>
+        <p:nvSpPr>
+          <p:cNvPr id="4" name="Espace réservé du numéro de diapositive 3"/>
+          <p:cNvSpPr>
+            <a:spLocks noGrp="1"/>
+          </p:cNvSpPr>
+          <p:nvPr>
+            <p:ph type="sldNum" sz="quarter" idx="10"/>
+          </p:nvPr>
+        </p:nvSpPr>
+        <p:spPr/>
+        <p:txBody>
+          <a:bodyPr/>
+          <a:lstStyle/>
+          <a:p>
+            <a:fld id="{855FE536-0EA8-4ACE-9F92-F5B61AE46463}" type="slidenum">
+              <a:rPr lang="fr-FR" smtClean="0"/>
+              <a:t>7</a:t>
+            </a:fld>
+            <a:endParaRPr lang="fr-FR"/>
+          </a:p>
+        </p:txBody>
+      </p:sp>
+    </p:spTree>
+    <p:extLst>
+      <p:ext uri="{BB962C8B-B14F-4D97-AF65-F5344CB8AC3E}">
+        <p14:creationId xmlns:p14="http://schemas.microsoft.com/office/powerpoint/2010/main" val="403138188"/>
+      </p:ext>
+    </p:extLst>
+  </p:cSld>
+  <p:clrMapOvr>
+    <a:masterClrMapping/>
+  </p:clrMapOvr>
+</p:notes>
+</file>
+
+<file path=ppt/notesSlides/notesSlide5.xml><?xml version="1.0" encoding="utf-8"?>
+<p:notes xmlns:a="http://schemas.openxmlformats.org/drawingml/2006/main" xmlns:r="http://schemas.openxmlformats.org/officeDocument/2006/relationships" xmlns:p="http://schemas.openxmlformats.org/presentationml/2006/main">
+  <p:cSld>
+    <p:spTree>
+      <p:nvGrpSpPr>
+        <p:cNvPr id="1" name=""/>
+        <p:cNvGrpSpPr/>
+        <p:nvPr/>
+      </p:nvGrpSpPr>
+      <p:grpSpPr>
+        <a:xfrm>
+          <a:off x="0" y="0"/>
+          <a:ext cx="0" cy="0"/>
+          <a:chOff x="0" y="0"/>
+          <a:chExt cx="0" cy="0"/>
+        </a:xfrm>
+      </p:grpSpPr>
+      <p:sp>
+        <p:nvSpPr>
+          <p:cNvPr id="2" name="Espace réservé de l'image des diapositives 1"/>
+          <p:cNvSpPr>
+            <a:spLocks noGrp="1" noRot="1" noChangeAspect="1"/>
+          </p:cNvSpPr>
+          <p:nvPr>
+            <p:ph type="sldImg"/>
+          </p:nvPr>
+        </p:nvSpPr>
+        <p:spPr/>
+      </p:sp>
+      <p:sp>
+        <p:nvSpPr>
+          <p:cNvPr id="3" name="Espace réservé des notes 2"/>
+          <p:cNvSpPr>
+            <a:spLocks noGrp="1"/>
+          </p:cNvSpPr>
+          <p:nvPr>
+            <p:ph type="body" idx="1"/>
+          </p:nvPr>
+        </p:nvSpPr>
+        <p:spPr/>
+        <p:txBody>
+          <a:bodyPr/>
+          <a:lstStyle/>
+          <a:p>
+            <a:r>
               <a:rPr lang="en-US" b="1" dirty="0"/>
               <a:t>CGI</a:t>
             </a:r>
@@ -2708,7 +3373,7 @@
           <a:p>
             <a:fld id="{35CF8E15-7A94-453A-97E3-53ACC3D606EA}" type="datetimeFigureOut">
               <a:rPr lang="fr-FR" smtClean="0"/>
-              <a:t>09/11/2016</a:t>
+              <a:t>10/11/2016</a:t>
             </a:fld>
             <a:endParaRPr lang="fr-FR"/>
           </a:p>
@@ -2876,7 +3541,7 @@
           <a:p>
             <a:fld id="{35CF8E15-7A94-453A-97E3-53ACC3D606EA}" type="datetimeFigureOut">
               <a:rPr lang="fr-FR" smtClean="0"/>
-              <a:t>09/11/2016</a:t>
+              <a:t>10/11/2016</a:t>
             </a:fld>
             <a:endParaRPr lang="fr-FR"/>
           </a:p>
@@ -3054,7 +3719,7 @@
           <a:p>
             <a:fld id="{35CF8E15-7A94-453A-97E3-53ACC3D606EA}" type="datetimeFigureOut">
               <a:rPr lang="fr-FR" smtClean="0"/>
-              <a:t>09/11/2016</a:t>
+              <a:t>10/11/2016</a:t>
             </a:fld>
             <a:endParaRPr lang="fr-FR"/>
           </a:p>
@@ -3222,7 +3887,7 @@
           <a:p>
             <a:fld id="{35CF8E15-7A94-453A-97E3-53ACC3D606EA}" type="datetimeFigureOut">
               <a:rPr lang="fr-FR" smtClean="0"/>
-              <a:t>09/11/2016</a:t>
+              <a:t>10/11/2016</a:t>
             </a:fld>
             <a:endParaRPr lang="fr-FR"/>
           </a:p>
@@ -3467,7 +4132,7 @@
           <a:p>
             <a:fld id="{35CF8E15-7A94-453A-97E3-53ACC3D606EA}" type="datetimeFigureOut">
               <a:rPr lang="fr-FR" smtClean="0"/>
-              <a:t>09/11/2016</a:t>
+              <a:t>10/11/2016</a:t>
             </a:fld>
             <a:endParaRPr lang="fr-FR"/>
           </a:p>
@@ -3696,7 +4361,7 @@
           <a:p>
             <a:fld id="{35CF8E15-7A94-453A-97E3-53ACC3D606EA}" type="datetimeFigureOut">
               <a:rPr lang="fr-FR" smtClean="0"/>
-              <a:t>09/11/2016</a:t>
+              <a:t>10/11/2016</a:t>
             </a:fld>
             <a:endParaRPr lang="fr-FR"/>
           </a:p>
@@ -4060,7 +4725,7 @@
           <a:p>
             <a:fld id="{35CF8E15-7A94-453A-97E3-53ACC3D606EA}" type="datetimeFigureOut">
               <a:rPr lang="fr-FR" smtClean="0"/>
-              <a:t>09/11/2016</a:t>
+              <a:t>10/11/2016</a:t>
             </a:fld>
             <a:endParaRPr lang="fr-FR"/>
           </a:p>
@@ -4177,7 +4842,7 @@
           <a:p>
             <a:fld id="{35CF8E15-7A94-453A-97E3-53ACC3D606EA}" type="datetimeFigureOut">
               <a:rPr lang="fr-FR" smtClean="0"/>
-              <a:t>09/11/2016</a:t>
+              <a:t>10/11/2016</a:t>
             </a:fld>
             <a:endParaRPr lang="fr-FR"/>
           </a:p>
@@ -4272,7 +4937,7 @@
           <a:p>
             <a:fld id="{35CF8E15-7A94-453A-97E3-53ACC3D606EA}" type="datetimeFigureOut">
               <a:rPr lang="fr-FR" smtClean="0"/>
-              <a:t>09/11/2016</a:t>
+              <a:t>10/11/2016</a:t>
             </a:fld>
             <a:endParaRPr lang="fr-FR"/>
           </a:p>
@@ -4547,7 +5212,7 @@
           <a:p>
             <a:fld id="{35CF8E15-7A94-453A-97E3-53ACC3D606EA}" type="datetimeFigureOut">
               <a:rPr lang="fr-FR" smtClean="0"/>
-              <a:t>09/11/2016</a:t>
+              <a:t>10/11/2016</a:t>
             </a:fld>
             <a:endParaRPr lang="fr-FR"/>
           </a:p>
@@ -4799,7 +5464,7 @@
           <a:p>
             <a:fld id="{35CF8E15-7A94-453A-97E3-53ACC3D606EA}" type="datetimeFigureOut">
               <a:rPr lang="fr-FR" smtClean="0"/>
-              <a:t>09/11/2016</a:t>
+              <a:t>10/11/2016</a:t>
             </a:fld>
             <a:endParaRPr lang="fr-FR"/>
           </a:p>
@@ -5010,7 +5675,7 @@
           <a:p>
             <a:fld id="{35CF8E15-7A94-453A-97E3-53ACC3D606EA}" type="datetimeFigureOut">
               <a:rPr lang="fr-FR" smtClean="0"/>
-              <a:t>09/11/2016</a:t>
+              <a:t>10/11/2016</a:t>
             </a:fld>
             <a:endParaRPr lang="fr-FR"/>
           </a:p>
@@ -5776,6 +6441,70 @@
               <a:t> more immersive.</a:t>
             </a:r>
           </a:p>
+          <a:p>
+            <a:endParaRPr lang="fr-FR" dirty="0"/>
+          </a:p>
+          <a:p>
+            <a:endParaRPr lang="fr-FR" dirty="0"/>
+          </a:p>
+          <a:p>
+            <a:r>
+              <a:rPr lang="fr-FR" dirty="0" err="1"/>
+              <a:t>What</a:t>
+            </a:r>
+            <a:r>
+              <a:rPr lang="fr-FR" dirty="0"/>
+              <a:t> </a:t>
+            </a:r>
+            <a:r>
+              <a:rPr lang="fr-FR" dirty="0" err="1"/>
+              <a:t>could</a:t>
+            </a:r>
+            <a:r>
+              <a:rPr lang="fr-FR" dirty="0"/>
+              <a:t> </a:t>
+            </a:r>
+            <a:r>
+              <a:rPr lang="fr-FR" dirty="0" err="1"/>
+              <a:t>be</a:t>
+            </a:r>
+            <a:r>
+              <a:rPr lang="fr-FR" dirty="0"/>
+              <a:t> the </a:t>
+            </a:r>
+            <a:r>
+              <a:rPr lang="fr-FR" dirty="0" err="1"/>
+              <a:t>next</a:t>
+            </a:r>
+            <a:r>
+              <a:rPr lang="fr-FR" dirty="0"/>
+              <a:t> </a:t>
+            </a:r>
+            <a:r>
+              <a:rPr lang="fr-FR" dirty="0" err="1"/>
+              <a:t>kind</a:t>
+            </a:r>
+            <a:r>
+              <a:rPr lang="fr-FR" dirty="0"/>
+              <a:t> of « </a:t>
+            </a:r>
+            <a:r>
+              <a:rPr lang="fr-FR" dirty="0" err="1"/>
+              <a:t>special</a:t>
+            </a:r>
+            <a:r>
+              <a:rPr lang="fr-FR" dirty="0"/>
+              <a:t> </a:t>
+            </a:r>
+            <a:r>
+              <a:rPr lang="fr-FR" dirty="0" err="1"/>
+              <a:t>effect</a:t>
+            </a:r>
+            <a:r>
+              <a:rPr lang="fr-FR" dirty="0"/>
+              <a:t> » ?</a:t>
+            </a:r>
+          </a:p>
         </p:txBody>
       </p:sp>
     </p:spTree>
@@ -5994,7 +6723,7 @@
           </p:nvPr>
         </p:nvPicPr>
         <p:blipFill>
-          <a:blip r:embed="rId2">
+          <a:blip r:embed="rId3">
             <a:extLst>
               <a:ext uri="{28A0092B-C50C-407E-A947-70E740481C1C}">
                 <a14:useLocalDpi xmlns:a14="http://schemas.microsoft.com/office/drawing/2010/main" val="0"/>
@@ -6124,7 +6853,7 @@
           <a:p>
             <a:r>
               <a:rPr lang="fr-FR" dirty="0" err="1"/>
-              <a:t>Animatronique</a:t>
+              <a:t>Animatronic</a:t>
             </a:r>
             <a:endParaRPr lang="fr-FR" dirty="0"/>
           </a:p>
@@ -6156,7 +6885,7 @@
           </p:nvPr>
         </p:nvPicPr>
         <p:blipFill>
-          <a:blip r:embed="rId2">
+          <a:blip r:embed="rId3">
             <a:extLst>
               <a:ext uri="{28A0092B-C50C-407E-A947-70E740481C1C}">
                 <a14:useLocalDpi xmlns:a14="http://schemas.microsoft.com/office/drawing/2010/main" val="0"/>
@@ -6631,7 +7360,7 @@
         </p:xfrm>
         <a:graphic>
           <a:graphicData uri="http://schemas.openxmlformats.org/drawingml/2006/diagram">
-            <dgm:relIds xmlns:dgm="http://schemas.openxmlformats.org/drawingml/2006/diagram" xmlns:r="http://schemas.openxmlformats.org/officeDocument/2006/relationships" r:dm="rId2" r:lo="rId3" r:qs="rId4" r:cs="rId5"/>
+            <dgm:relIds xmlns:dgm="http://schemas.openxmlformats.org/drawingml/2006/diagram" xmlns:r="http://schemas.openxmlformats.org/officeDocument/2006/relationships" r:dm="rId3" r:lo="rId4" r:qs="rId5" r:cs="rId6"/>
           </a:graphicData>
         </a:graphic>
       </p:graphicFrame>
